--- a/FTEGroupPPT (1).pptx
+++ b/FTEGroupPPT (1).pptx
@@ -16528,13 +16528,13 @@
           <p:nvPr>
             <p:extLst>
               <p:ext uri="{D42A27DB-BD31-4B8C-83A1-F6EECF244321}">
-                <p14:modId xmlns:p14="http://schemas.microsoft.com/office/powerpoint/2010/main" val="1723272906"/>
+                <p14:modId xmlns:p14="http://schemas.microsoft.com/office/powerpoint/2010/main" val="411989335"/>
               </p:ext>
             </p:extLst>
           </p:nvPr>
         </p:nvGraphicFramePr>
         <p:xfrm>
-          <a:off x="43373" y="1442278"/>
+          <a:off x="141455" y="1442278"/>
           <a:ext cx="3505206" cy="2340864"/>
         </p:xfrm>
         <a:graphic>
@@ -16562,7 +16562,7 @@
                     </p:blipFill>
                     <p:spPr>
                       <a:xfrm>
-                        <a:off x="43373" y="1442278"/>
+                        <a:off x="141455" y="1442278"/>
                         <a:ext cx="3505206" cy="2340864"/>
                       </a:xfrm>
                       <a:prstGeom prst="rect">
@@ -16598,7 +16598,7 @@
         </p:blipFill>
         <p:spPr>
           <a:xfrm>
-            <a:off x="3509695" y="1441672"/>
+            <a:off x="3594642" y="1446160"/>
             <a:ext cx="2755765" cy="2634136"/>
           </a:xfrm>
           <a:prstGeom prst="rect">
@@ -16628,7 +16628,7 @@
         </p:blipFill>
         <p:spPr>
           <a:xfrm>
-            <a:off x="5368099" y="1327566"/>
+            <a:off x="5402884" y="1442278"/>
             <a:ext cx="2544491" cy="2746408"/>
           </a:xfrm>
           <a:prstGeom prst="rect">
@@ -16658,7 +16658,7 @@
         </p:blipFill>
         <p:spPr>
           <a:xfrm>
-            <a:off x="7576104" y="1327876"/>
+            <a:off x="7658770" y="1442278"/>
             <a:ext cx="3548578" cy="2758741"/>
           </a:xfrm>
           <a:prstGeom prst="rect">
@@ -16688,7 +16688,7 @@
         </p:blipFill>
         <p:spPr>
           <a:xfrm>
-            <a:off x="26885" y="3642060"/>
+            <a:off x="138684" y="3730276"/>
             <a:ext cx="3482810" cy="2758740"/>
           </a:xfrm>
           <a:prstGeom prst="rect">
@@ -16718,7 +16718,7 @@
         </p:blipFill>
         <p:spPr>
           <a:xfrm>
-            <a:off x="3293379" y="3642060"/>
+            <a:off x="3358652" y="3717944"/>
             <a:ext cx="2617216" cy="2758740"/>
           </a:xfrm>
           <a:prstGeom prst="rect">
@@ -16748,7 +16748,7 @@
         </p:blipFill>
         <p:spPr>
           <a:xfrm>
-            <a:off x="5524481" y="4037964"/>
+            <a:off x="5568748" y="4148757"/>
             <a:ext cx="2401707" cy="2203323"/>
           </a:xfrm>
           <a:prstGeom prst="rect">
